--- a/Lab4 - Pima Indians Diabates/Slide_bao_cao.pptx
+++ b/Lab4 - Pima Indians Diabates/Slide_bao_cao.pptx
@@ -15413,7 +15413,7 @@
                           <a:latin typeface="HYWenHei-85W" panose="00020600040101010101" charset="-128"/>
                           <a:ea typeface="HYWenHei-85W" panose="00020600040101010101" charset="-128"/>
                         </a:rPr>
-                        <a:t>Introduction &amp; Motivation</a:t>
+                        <a:t>Introduction</a:t>
                       </a:r>
                       <a:endParaRPr lang="en-US" altLang="en-US">
                         <a:latin typeface="HYWenHei-85W" panose="00020600040101010101" charset="-128"/>
@@ -15435,121 +15435,6 @@
                         <a:buFont typeface="Arial" panose="020B0604020202020204" pitchFamily="34" charset="0"/>
                         <a:buChar char="•"/>
                       </a:pPr>
-                      <a:r>
-                        <a:rPr lang="en-US" altLang="en-US">
-                          <a:latin typeface="HYWenHei-85W" panose="00020600040101010101" charset="-128"/>
-                          <a:ea typeface="HYWenHei-85W" panose="00020600040101010101" charset="-128"/>
-                        </a:rPr>
-                        <a:t>Dataset Summary</a:t>
-                      </a:r>
-                      <a:endParaRPr lang="en-US" altLang="en-US">
-                        <a:latin typeface="HYWenHei-85W" panose="00020600040101010101" charset="-128"/>
-                        <a:ea typeface="HYWenHei-85W" panose="00020600040101010101" charset="-128"/>
-                      </a:endParaRPr>
-                    </a:p>
-                    <a:p>
-                      <a:pPr marL="285750" indent="-285750">
-                        <a:buFont typeface="Arial" panose="020B0604020202020204" pitchFamily="34" charset="0"/>
-                        <a:buChar char="•"/>
-                      </a:pPr>
-                      <a:endParaRPr lang="en-US" altLang="en-US">
-                        <a:latin typeface="HYWenHei-85W" panose="00020600040101010101" charset="-128"/>
-                        <a:ea typeface="HYWenHei-85W" panose="00020600040101010101" charset="-128"/>
-                      </a:endParaRPr>
-                    </a:p>
-                    <a:p>
-                      <a:pPr marL="285750" indent="-285750">
-                        <a:buFont typeface="Arial" panose="020B0604020202020204" pitchFamily="34" charset="0"/>
-                        <a:buChar char="•"/>
-                      </a:pPr>
-                      <a:r>
-                        <a:rPr lang="en-US" altLang="en-US">
-                          <a:latin typeface="HYWenHei-85W" panose="00020600040101010101" charset="-128"/>
-                          <a:ea typeface="HYWenHei-85W" panose="00020600040101010101" charset="-128"/>
-                        </a:rPr>
-                        <a:t>Feature Description</a:t>
-                      </a:r>
-                      <a:endParaRPr lang="en-US" altLang="en-US">
-                        <a:latin typeface="HYWenHei-85W" panose="00020600040101010101" charset="-128"/>
-                        <a:ea typeface="HYWenHei-85W" panose="00020600040101010101" charset="-128"/>
-                      </a:endParaRPr>
-                    </a:p>
-                    <a:p>
-                      <a:pPr marL="285750" indent="-285750">
-                        <a:buFont typeface="Arial" panose="020B0604020202020204" pitchFamily="34" charset="0"/>
-                        <a:buChar char="•"/>
-                      </a:pPr>
-                      <a:endParaRPr lang="en-US" altLang="en-US">
-                        <a:latin typeface="HYWenHei-85W" panose="00020600040101010101" charset="-128"/>
-                        <a:ea typeface="HYWenHei-85W" panose="00020600040101010101" charset="-128"/>
-                      </a:endParaRPr>
-                    </a:p>
-                    <a:p>
-                      <a:pPr marL="285750" indent="-285750">
-                        <a:buFont typeface="Arial" panose="020B0604020202020204" pitchFamily="34" charset="0"/>
-                        <a:buChar char="•"/>
-                      </a:pPr>
-                      <a:r>
-                        <a:rPr lang="en-US" altLang="en-US">
-                          <a:latin typeface="HYWenHei-85W" panose="00020600040101010101" charset="-128"/>
-                          <a:ea typeface="HYWenHei-85W" panose="00020600040101010101" charset="-128"/>
-                        </a:rPr>
-                        <a:t>Univariate Analysis</a:t>
-                      </a:r>
-                      <a:endParaRPr lang="en-US" altLang="en-US">
-                        <a:latin typeface="HYWenHei-85W" panose="00020600040101010101" charset="-128"/>
-                        <a:ea typeface="HYWenHei-85W" panose="00020600040101010101" charset="-128"/>
-                      </a:endParaRPr>
-                    </a:p>
-                    <a:p>
-                      <a:pPr marL="285750" indent="-285750">
-                        <a:buFont typeface="Arial" panose="020B0604020202020204" pitchFamily="34" charset="0"/>
-                        <a:buChar char="•"/>
-                      </a:pPr>
-                      <a:endParaRPr lang="en-US" altLang="en-US">
-                        <a:latin typeface="HYWenHei-85W" panose="00020600040101010101" charset="-128"/>
-                        <a:ea typeface="HYWenHei-85W" panose="00020600040101010101" charset="-128"/>
-                      </a:endParaRPr>
-                    </a:p>
-                    <a:p>
-                      <a:pPr marL="285750" indent="-285750">
-                        <a:buFont typeface="Arial" panose="020B0604020202020204" pitchFamily="34" charset="0"/>
-                        <a:buChar char="•"/>
-                      </a:pPr>
-                      <a:r>
-                        <a:rPr lang="en-US" altLang="en-US">
-                          <a:latin typeface="HYWenHei-85W" panose="00020600040101010101" charset="-128"/>
-                          <a:ea typeface="HYWenHei-85W" panose="00020600040101010101" charset="-128"/>
-                        </a:rPr>
-                        <a:t>Outcome-wise Analysis</a:t>
-                      </a:r>
-                      <a:endParaRPr lang="en-US" altLang="en-US">
-                        <a:latin typeface="HYWenHei-85W" panose="00020600040101010101" charset="-128"/>
-                        <a:ea typeface="HYWenHei-85W" panose="00020600040101010101" charset="-128"/>
-                      </a:endParaRPr>
-                    </a:p>
-                    <a:p>
-                      <a:pPr marL="285750" indent="-285750">
-                        <a:buFont typeface="Arial" panose="020B0604020202020204" pitchFamily="34" charset="0"/>
-                        <a:buChar char="•"/>
-                      </a:pPr>
-                      <a:endParaRPr lang="en-US" altLang="en-US">
-                        <a:latin typeface="HYWenHei-85W" panose="00020600040101010101" charset="-128"/>
-                        <a:ea typeface="HYWenHei-85W" panose="00020600040101010101" charset="-128"/>
-                      </a:endParaRPr>
-                    </a:p>
-                    <a:p>
-                      <a:pPr marL="285750" indent="-285750">
-                        <a:buFont typeface="Arial" panose="020B0604020202020204" pitchFamily="34" charset="0"/>
-                        <a:buChar char="•"/>
-                      </a:pPr>
-                      <a:r>
-                        <a:rPr lang="en-US" altLang="en-US">
-                          <a:latin typeface="HYWenHei-85W" panose="00020600040101010101" charset="-128"/>
-                          <a:ea typeface="HYWenHei-85W" panose="00020600040101010101" charset="-128"/>
-                        </a:rPr>
-                        <a:t>Missing Values &amp; Irregularities</a:t>
-                      </a:r>
                       <a:endParaRPr lang="en-US" altLang="en-US">
                         <a:latin typeface="HYWenHei-85W" panose="00020600040101010101" charset="-128"/>
                         <a:ea typeface="HYWenHei-85W" panose="00020600040101010101" charset="-128"/>
@@ -15566,155 +15451,6 @@
                         <a:buFont typeface="Arial" panose="020B0604020202020204" pitchFamily="34" charset="0"/>
                         <a:buChar char="•"/>
                       </a:pPr>
-                      <a:r>
-                        <a:rPr lang="en-US" altLang="en-US" sz="1800">
-                          <a:latin typeface="HYWenHei-85W" panose="00020600040101010101" charset="-128"/>
-                          <a:ea typeface="HYWenHei-85W" panose="00020600040101010101" charset="-128"/>
-                          <a:sym typeface="+mn-ea"/>
-                        </a:rPr>
-                        <a:t>Feature Relationships</a:t>
-                      </a:r>
-                      <a:endParaRPr lang="en-US" altLang="en-US" sz="1800">
-                        <a:latin typeface="HYWenHei-85W" panose="00020600040101010101" charset="-128"/>
-                        <a:ea typeface="HYWenHei-85W" panose="00020600040101010101" charset="-128"/>
-                        <a:sym typeface="+mn-ea"/>
-                      </a:endParaRPr>
-                    </a:p>
-                    <a:p>
-                      <a:pPr marL="285750" indent="-285750">
-                        <a:buFont typeface="Arial" panose="020B0604020202020204" pitchFamily="34" charset="0"/>
-                        <a:buChar char="•"/>
-                      </a:pPr>
-                      <a:endParaRPr lang="en-US" altLang="en-US" sz="1800">
-                        <a:latin typeface="HYWenHei-85W" panose="00020600040101010101" charset="-128"/>
-                        <a:ea typeface="HYWenHei-85W" panose="00020600040101010101" charset="-128"/>
-                        <a:sym typeface="+mn-ea"/>
-                      </a:endParaRPr>
-                    </a:p>
-                    <a:p>
-                      <a:pPr marL="285750" indent="-285750">
-                        <a:buFont typeface="Arial" panose="020B0604020202020204" pitchFamily="34" charset="0"/>
-                        <a:buChar char="•"/>
-                      </a:pPr>
-                      <a:r>
-                        <a:rPr lang="en-US" altLang="en-US" sz="1800">
-                          <a:latin typeface="HYWenHei-85W" panose="00020600040101010101" charset="-128"/>
-                          <a:ea typeface="HYWenHei-85W" panose="00020600040101010101" charset="-128"/>
-                          <a:sym typeface="+mn-ea"/>
-                        </a:rPr>
-                        <a:t>Key Questions</a:t>
-                      </a:r>
-                      <a:endParaRPr lang="en-US" altLang="en-US" sz="1800">
-                        <a:latin typeface="HYWenHei-85W" panose="00020600040101010101" charset="-128"/>
-                        <a:ea typeface="HYWenHei-85W" panose="00020600040101010101" charset="-128"/>
-                      </a:endParaRPr>
-                    </a:p>
-                    <a:p>
-                      <a:pPr marL="285750" indent="-285750">
-                        <a:buFont typeface="Arial" panose="020B0604020202020204" pitchFamily="34" charset="0"/>
-                        <a:buChar char="•"/>
-                      </a:pPr>
-                      <a:endParaRPr lang="en-US" altLang="en-US" sz="1800">
-                        <a:latin typeface="HYWenHei-85W" panose="00020600040101010101" charset="-128"/>
-                        <a:ea typeface="HYWenHei-85W" panose="00020600040101010101" charset="-128"/>
-                      </a:endParaRPr>
-                    </a:p>
-                    <a:p>
-                      <a:pPr marL="285750" indent="-285750">
-                        <a:buFont typeface="Arial" panose="020B0604020202020204" pitchFamily="34" charset="0"/>
-                        <a:buChar char="•"/>
-                      </a:pPr>
-                      <a:r>
-                        <a:rPr lang="en-US" altLang="en-US" sz="1800">
-                          <a:latin typeface="HYWenHei-85W" panose="00020600040101010101" charset="-128"/>
-                          <a:ea typeface="HYWenHei-85W" panose="00020600040101010101" charset="-128"/>
-                          <a:sym typeface="+mn-ea"/>
-                        </a:rPr>
-                        <a:t>Correlation Heatmap</a:t>
-                      </a:r>
-                      <a:endParaRPr lang="en-US" altLang="en-US" sz="1800">
-                        <a:latin typeface="HYWenHei-85W" panose="00020600040101010101" charset="-128"/>
-                        <a:ea typeface="HYWenHei-85W" panose="00020600040101010101" charset="-128"/>
-                      </a:endParaRPr>
-                    </a:p>
-                    <a:p>
-                      <a:pPr marL="285750" indent="-285750">
-                        <a:buFont typeface="Arial" panose="020B0604020202020204" pitchFamily="34" charset="0"/>
-                        <a:buChar char="•"/>
-                      </a:pPr>
-                      <a:endParaRPr lang="en-US" altLang="en-US" sz="1800">
-                        <a:latin typeface="HYWenHei-85W" panose="00020600040101010101" charset="-128"/>
-                        <a:ea typeface="HYWenHei-85W" panose="00020600040101010101" charset="-128"/>
-                      </a:endParaRPr>
-                    </a:p>
-                    <a:p>
-                      <a:pPr marL="285750" indent="-285750">
-                        <a:buFont typeface="Arial" panose="020B0604020202020204" pitchFamily="34" charset="0"/>
-                        <a:buChar char="•"/>
-                      </a:pPr>
-                      <a:r>
-                        <a:rPr lang="en-US" altLang="en-US" sz="1800">
-                          <a:latin typeface="HYWenHei-85W" panose="00020600040101010101" charset="-128"/>
-                          <a:ea typeface="HYWenHei-85W" panose="00020600040101010101" charset="-128"/>
-                        </a:rPr>
-                        <a:t>Integrated Insights </a:t>
-                      </a:r>
-                      <a:endParaRPr lang="en-US" altLang="en-US" sz="1800">
-                        <a:latin typeface="HYWenHei-85W" panose="00020600040101010101" charset="-128"/>
-                        <a:ea typeface="HYWenHei-85W" panose="00020600040101010101" charset="-128"/>
-                      </a:endParaRPr>
-                    </a:p>
-                    <a:p>
-                      <a:pPr marL="285750" indent="-285750">
-                        <a:buFont typeface="Arial" panose="020B0604020202020204" pitchFamily="34" charset="0"/>
-                        <a:buChar char="•"/>
-                      </a:pPr>
-                      <a:endParaRPr lang="en-US" altLang="en-US" sz="1800">
-                        <a:latin typeface="HYWenHei-85W" panose="00020600040101010101" charset="-128"/>
-                        <a:ea typeface="HYWenHei-85W" panose="00020600040101010101" charset="-128"/>
-                      </a:endParaRPr>
-                    </a:p>
-                    <a:p>
-                      <a:pPr marL="285750" indent="-285750">
-                        <a:buFont typeface="Arial" panose="020B0604020202020204" pitchFamily="34" charset="0"/>
-                        <a:buChar char="•"/>
-                      </a:pPr>
-                      <a:r>
-                        <a:rPr lang="en-US" altLang="en-US" sz="1800">
-                          <a:latin typeface="HYWenHei-85W" panose="00020600040101010101" charset="-128"/>
-                          <a:ea typeface="HYWenHei-85W" panose="00020600040101010101" charset="-128"/>
-                          <a:sym typeface="+mn-ea"/>
-                        </a:rPr>
-                        <a:t>Conclusion</a:t>
-                      </a:r>
-                      <a:endParaRPr lang="en-US" altLang="en-US" sz="1800">
-                        <a:latin typeface="HYWenHei-85W" panose="00020600040101010101" charset="-128"/>
-                        <a:ea typeface="HYWenHei-85W" panose="00020600040101010101" charset="-128"/>
-                      </a:endParaRPr>
-                    </a:p>
-                    <a:p>
-                      <a:pPr marL="285750" indent="-285750">
-                        <a:buFont typeface="Arial" panose="020B0604020202020204" pitchFamily="34" charset="0"/>
-                        <a:buChar char="•"/>
-                      </a:pPr>
-                      <a:endParaRPr lang="en-US" altLang="en-US" sz="1800">
-                        <a:latin typeface="HYWenHei-85W" panose="00020600040101010101" charset="-128"/>
-                        <a:ea typeface="HYWenHei-85W" panose="00020600040101010101" charset="-128"/>
-                      </a:endParaRPr>
-                    </a:p>
-                    <a:p>
-                      <a:pPr marL="285750" indent="-285750">
-                        <a:buFont typeface="Arial" panose="020B0604020202020204" pitchFamily="34" charset="0"/>
-                        <a:buChar char="•"/>
-                      </a:pPr>
-                      <a:r>
-                        <a:rPr lang="en-US" altLang="en-US" sz="1800">
-                          <a:latin typeface="HYWenHei-85W" panose="00020600040101010101" charset="-128"/>
-                          <a:ea typeface="HYWenHei-85W" panose="00020600040101010101" charset="-128"/>
-                          <a:sym typeface="+mn-ea"/>
-                        </a:rPr>
-                        <a:t>References</a:t>
-                      </a:r>
                       <a:endParaRPr lang="en-US">
                         <a:latin typeface="HYWenHei-85W" panose="00020600040101010101" charset="-128"/>
                         <a:ea typeface="HYWenHei-85W" panose="00020600040101010101" charset="-128"/>
